--- a/190528 - Cloud Developer Days @Krakow/Session 2/Full-text search with Azure Search and SQL Database.pptx
+++ b/190528 - Cloud Developer Days @Krakow/Session 2/Full-text search with Azure Search and SQL Database.pptx
@@ -7,15 +7,16 @@
   <p:sldIdLst>
     <p:sldId id="262" r:id="rId2"/>
     <p:sldId id="261" r:id="rId3"/>
-    <p:sldId id="257" r:id="rId4"/>
-    <p:sldId id="266" r:id="rId5"/>
-    <p:sldId id="260" r:id="rId6"/>
-    <p:sldId id="268" r:id="rId7"/>
-    <p:sldId id="269" r:id="rId8"/>
-    <p:sldId id="270" r:id="rId9"/>
-    <p:sldId id="272" r:id="rId10"/>
-    <p:sldId id="263" r:id="rId11"/>
-    <p:sldId id="264" r:id="rId12"/>
+    <p:sldId id="273" r:id="rId4"/>
+    <p:sldId id="257" r:id="rId5"/>
+    <p:sldId id="266" r:id="rId6"/>
+    <p:sldId id="260" r:id="rId7"/>
+    <p:sldId id="268" r:id="rId8"/>
+    <p:sldId id="269" r:id="rId9"/>
+    <p:sldId id="270" r:id="rId10"/>
+    <p:sldId id="272" r:id="rId11"/>
+    <p:sldId id="263" r:id="rId12"/>
+    <p:sldId id="264" r:id="rId13"/>
   </p:sldIdLst>
   <p:sldSz cx="12192000" cy="6858000"/>
   <p:notesSz cx="6858000" cy="9144000"/>
@@ -717,7 +718,7 @@
             <a:fld id="{87DE6118-2437-4B30-8E3C-4D2BE6020583}" type="datetimeFigureOut">
               <a:rPr lang="en-US" dirty="0"/>
               <a:pPr/>
-              <a:t>5/26/2019</a:t>
+              <a:t>5/28/2019</a:t>
             </a:fld>
             <a:endParaRPr lang="en-US" dirty="0"/>
           </a:p>
@@ -1038,7 +1039,7 @@
           <a:p>
             <a:fld id="{A5A1940E-83B0-4E12-8393-5CDFF91D67BC}" type="datetimeFigureOut">
               <a:rPr lang="pl-PL" smtClean="0"/>
-              <a:t>26.05.2019</a:t>
+              <a:t>28.05.2019</a:t>
             </a:fld>
             <a:endParaRPr lang="pl-PL"/>
           </a:p>
@@ -1547,6 +1548,226 @@
 </file>
 
 <file path=ppt/slides/slide10.xml><?xml version="1.0" encoding="utf-8"?>
+<p:sld xmlns:a="http://schemas.openxmlformats.org/drawingml/2006/main" xmlns:r="http://schemas.openxmlformats.org/officeDocument/2006/relationships" xmlns:p="http://schemas.openxmlformats.org/presentationml/2006/main">
+  <p:cSld>
+    <p:spTree>
+      <p:nvGrpSpPr>
+        <p:cNvPr id="1" name=""/>
+        <p:cNvGrpSpPr/>
+        <p:nvPr/>
+      </p:nvGrpSpPr>
+      <p:grpSpPr>
+        <a:xfrm>
+          <a:off x="0" y="0"/>
+          <a:ext cx="0" cy="0"/>
+          <a:chOff x="0" y="0"/>
+          <a:chExt cx="0" cy="0"/>
+        </a:xfrm>
+      </p:grpSpPr>
+      <p:sp>
+        <p:nvSpPr>
+          <p:cNvPr id="12" name="Symbol zastępczy tekstu 11">
+            <a:extLst>
+              <a:ext uri="{FF2B5EF4-FFF2-40B4-BE49-F238E27FC236}">
+                <a16:creationId xmlns:a16="http://schemas.microsoft.com/office/drawing/2014/main" id="{D72C2726-10B2-4AD9-87BC-8DD20305EDBF}"/>
+              </a:ext>
+            </a:extLst>
+          </p:cNvPr>
+          <p:cNvSpPr>
+            <a:spLocks noGrp="1"/>
+          </p:cNvSpPr>
+          <p:nvPr>
+            <p:ph type="body" sz="quarter" idx="10"/>
+          </p:nvPr>
+        </p:nvSpPr>
+        <p:spPr/>
+        <p:txBody>
+          <a:bodyPr>
+            <a:normAutofit fontScale="85000" lnSpcReduction="10000"/>
+          </a:bodyPr>
+          <a:lstStyle/>
+          <a:p>
+            <a:r>
+              <a:rPr lang="en-US" dirty="0"/>
+              <a:t>Full-text search with Azure Search and SQL Database</a:t>
+            </a:r>
+            <a:endParaRPr lang="pl-PL" dirty="0"/>
+          </a:p>
+        </p:txBody>
+      </p:sp>
+      <p:sp>
+        <p:nvSpPr>
+          <p:cNvPr id="11" name="Tytuł 10">
+            <a:extLst>
+              <a:ext uri="{FF2B5EF4-FFF2-40B4-BE49-F238E27FC236}">
+                <a16:creationId xmlns:a16="http://schemas.microsoft.com/office/drawing/2014/main" id="{27DBB49A-5916-4A71-A6AC-7134B69EC7EE}"/>
+              </a:ext>
+            </a:extLst>
+          </p:cNvPr>
+          <p:cNvSpPr>
+            <a:spLocks noGrp="1"/>
+          </p:cNvSpPr>
+          <p:nvPr>
+            <p:ph type="title"/>
+          </p:nvPr>
+        </p:nvSpPr>
+        <p:spPr>
+          <a:xfrm>
+            <a:off x="493712" y="4543834"/>
+            <a:ext cx="9999694" cy="627933"/>
+          </a:xfrm>
+        </p:spPr>
+        <p:txBody>
+          <a:bodyPr>
+            <a:normAutofit fontScale="90000"/>
+          </a:bodyPr>
+          <a:lstStyle/>
+          <a:p>
+            <a:r>
+              <a:rPr lang="it-IT" dirty="0"/>
+              <a:t>Roberto Freato – Consultant / Author / Solution Architect</a:t>
+            </a:r>
+            <a:br>
+              <a:rPr lang="en-US" dirty="0"/>
+            </a:br>
+            <a:endParaRPr lang="pl-PL" dirty="0"/>
+          </a:p>
+        </p:txBody>
+      </p:sp>
+      <p:pic>
+        <p:nvPicPr>
+          <p:cNvPr id="4" name="Picture 3" descr="A screenshot of a social media post&#10;&#10;Description generated with very high confidence">
+            <a:extLst>
+              <a:ext uri="{FF2B5EF4-FFF2-40B4-BE49-F238E27FC236}">
+                <a16:creationId xmlns:a16="http://schemas.microsoft.com/office/drawing/2014/main" id="{08C4761E-0C9D-4D57-B150-D61C47097B5D}"/>
+              </a:ext>
+            </a:extLst>
+          </p:cNvPr>
+          <p:cNvPicPr>
+            <a:picLocks noChangeAspect="1"/>
+          </p:cNvPicPr>
+          <p:nvPr/>
+        </p:nvPicPr>
+        <p:blipFill>
+          <a:blip r:embed="rId2"/>
+          <a:stretch>
+            <a:fillRect/>
+          </a:stretch>
+        </p:blipFill>
+        <p:spPr>
+          <a:xfrm>
+            <a:off x="591423" y="782382"/>
+            <a:ext cx="1011953" cy="1517930"/>
+          </a:xfrm>
+          <a:prstGeom prst="rect">
+            <a:avLst/>
+          </a:prstGeom>
+        </p:spPr>
+      </p:pic>
+      <p:pic>
+        <p:nvPicPr>
+          <p:cNvPr id="5" name="Picture 4" descr="A screenshot of a cell phone&#10;&#10;Description generated with very high confidence">
+            <a:extLst>
+              <a:ext uri="{FF2B5EF4-FFF2-40B4-BE49-F238E27FC236}">
+                <a16:creationId xmlns:a16="http://schemas.microsoft.com/office/drawing/2014/main" id="{ADB162EC-02B5-41FF-BF31-B805E5D5CA33}"/>
+              </a:ext>
+            </a:extLst>
+          </p:cNvPr>
+          <p:cNvPicPr>
+            <a:picLocks noChangeAspect="1"/>
+          </p:cNvPicPr>
+          <p:nvPr/>
+        </p:nvPicPr>
+        <p:blipFill>
+          <a:blip r:embed="rId3"/>
+          <a:stretch>
+            <a:fillRect/>
+          </a:stretch>
+        </p:blipFill>
+        <p:spPr>
+          <a:xfrm>
+            <a:off x="1728490" y="793268"/>
+            <a:ext cx="1011953" cy="1517930"/>
+          </a:xfrm>
+          <a:prstGeom prst="rect">
+            <a:avLst/>
+          </a:prstGeom>
+        </p:spPr>
+      </p:pic>
+      <p:pic>
+        <p:nvPicPr>
+          <p:cNvPr id="6" name="Picture 5" descr="A screenshot of a social media post&#10;&#10;Description generated with very high confidence">
+            <a:extLst>
+              <a:ext uri="{FF2B5EF4-FFF2-40B4-BE49-F238E27FC236}">
+                <a16:creationId xmlns:a16="http://schemas.microsoft.com/office/drawing/2014/main" id="{DA1337E6-4F2A-4547-B189-87985815341D}"/>
+              </a:ext>
+            </a:extLst>
+          </p:cNvPr>
+          <p:cNvPicPr>
+            <a:picLocks noChangeAspect="1"/>
+          </p:cNvPicPr>
+          <p:nvPr/>
+        </p:nvPicPr>
+        <p:blipFill>
+          <a:blip r:embed="rId4"/>
+          <a:stretch>
+            <a:fillRect/>
+          </a:stretch>
+        </p:blipFill>
+        <p:spPr>
+          <a:xfrm>
+            <a:off x="591423" y="2427581"/>
+            <a:ext cx="1011953" cy="1517930"/>
+          </a:xfrm>
+          <a:prstGeom prst="rect">
+            <a:avLst/>
+          </a:prstGeom>
+        </p:spPr>
+      </p:pic>
+      <p:pic>
+        <p:nvPicPr>
+          <p:cNvPr id="7" name="Picture 6">
+            <a:extLst>
+              <a:ext uri="{FF2B5EF4-FFF2-40B4-BE49-F238E27FC236}">
+                <a16:creationId xmlns:a16="http://schemas.microsoft.com/office/drawing/2014/main" id="{F3186A04-2A6F-41E0-99FB-5BE8B59AE514}"/>
+              </a:ext>
+            </a:extLst>
+          </p:cNvPr>
+          <p:cNvPicPr>
+            <a:picLocks noChangeAspect="1"/>
+          </p:cNvPicPr>
+          <p:nvPr/>
+        </p:nvPicPr>
+        <p:blipFill>
+          <a:blip r:embed="rId5"/>
+          <a:stretch>
+            <a:fillRect/>
+          </a:stretch>
+        </p:blipFill>
+        <p:spPr>
+          <a:xfrm>
+            <a:off x="1728489" y="2427581"/>
+            <a:ext cx="1011953" cy="1517930"/>
+          </a:xfrm>
+          <a:prstGeom prst="rect">
+            <a:avLst/>
+          </a:prstGeom>
+        </p:spPr>
+      </p:pic>
+    </p:spTree>
+    <p:extLst>
+      <p:ext uri="{BB962C8B-B14F-4D97-AF65-F5344CB8AC3E}">
+        <p14:creationId xmlns:p14="http://schemas.microsoft.com/office/powerpoint/2010/main" val="2455502338"/>
+      </p:ext>
+    </p:extLst>
+  </p:cSld>
+  <p:clrMapOvr>
+    <a:masterClrMapping/>
+  </p:clrMapOvr>
+</p:sld>
+</file>
+
+<file path=ppt/slides/slide11.xml><?xml version="1.0" encoding="utf-8"?>
 <p:sld xmlns:a="http://schemas.openxmlformats.org/drawingml/2006/main" xmlns:r="http://schemas.openxmlformats.org/officeDocument/2006/relationships" xmlns:p="http://schemas.openxmlformats.org/presentationml/2006/main">
   <p:cSld>
     <p:bg>
@@ -2251,7 +2472,7 @@
 </p:sld>
 </file>
 
-<file path=ppt/slides/slide11.xml><?xml version="1.0" encoding="utf-8"?>
+<file path=ppt/slides/slide12.xml><?xml version="1.0" encoding="utf-8"?>
 <p:sld xmlns:a="http://schemas.openxmlformats.org/drawingml/2006/main" xmlns:r="http://schemas.openxmlformats.org/officeDocument/2006/relationships" xmlns:p="http://schemas.openxmlformats.org/presentationml/2006/main">
   <p:cSld>
     <p:bg>
@@ -2478,6 +2699,94 @@
 </file>
 
 <file path=ppt/slides/slide3.xml><?xml version="1.0" encoding="utf-8"?>
+<p:sld xmlns:a="http://schemas.openxmlformats.org/drawingml/2006/main" xmlns:r="http://schemas.openxmlformats.org/officeDocument/2006/relationships" xmlns:p="http://schemas.openxmlformats.org/presentationml/2006/main">
+  <p:cSld>
+    <p:spTree>
+      <p:nvGrpSpPr>
+        <p:cNvPr id="1" name=""/>
+        <p:cNvGrpSpPr/>
+        <p:nvPr/>
+      </p:nvGrpSpPr>
+      <p:grpSpPr>
+        <a:xfrm>
+          <a:off x="0" y="0"/>
+          <a:ext cx="0" cy="0"/>
+          <a:chOff x="0" y="0"/>
+          <a:chExt cx="0" cy="0"/>
+        </a:xfrm>
+      </p:grpSpPr>
+      <p:sp>
+        <p:nvSpPr>
+          <p:cNvPr id="2" name="Title 1">
+            <a:extLst>
+              <a:ext uri="{FF2B5EF4-FFF2-40B4-BE49-F238E27FC236}">
+                <a16:creationId xmlns:a16="http://schemas.microsoft.com/office/drawing/2014/main" id="{F9FFDB02-BE1A-4D7D-8EED-7B48D8C0448E}"/>
+              </a:ext>
+            </a:extLst>
+          </p:cNvPr>
+          <p:cNvSpPr>
+            <a:spLocks noGrp="1"/>
+          </p:cNvSpPr>
+          <p:nvPr>
+            <p:ph type="title"/>
+          </p:nvPr>
+        </p:nvSpPr>
+        <p:spPr/>
+        <p:txBody>
+          <a:bodyPr/>
+          <a:lstStyle/>
+          <a:p>
+            <a:r>
+              <a:rPr lang="it-IT" dirty="0"/>
+              <a:t>DEMO</a:t>
+            </a:r>
+            <a:endParaRPr lang="en-US" dirty="0"/>
+          </a:p>
+        </p:txBody>
+      </p:sp>
+      <p:sp>
+        <p:nvSpPr>
+          <p:cNvPr id="3" name="Text Placeholder 2">
+            <a:extLst>
+              <a:ext uri="{FF2B5EF4-FFF2-40B4-BE49-F238E27FC236}">
+                <a16:creationId xmlns:a16="http://schemas.microsoft.com/office/drawing/2014/main" id="{DDACFC42-ED54-4E6D-94EC-BB4BBCADF947}"/>
+              </a:ext>
+            </a:extLst>
+          </p:cNvPr>
+          <p:cNvSpPr>
+            <a:spLocks noGrp="1"/>
+          </p:cNvSpPr>
+          <p:nvPr>
+            <p:ph type="body" idx="1"/>
+          </p:nvPr>
+        </p:nvSpPr>
+        <p:spPr/>
+        <p:txBody>
+          <a:bodyPr/>
+          <a:lstStyle/>
+          <a:p>
+            <a:r>
+              <a:rPr lang="it-IT" dirty="0"/>
+              <a:t>Amazon, Google Play</a:t>
+            </a:r>
+            <a:endParaRPr lang="en-US" dirty="0"/>
+          </a:p>
+        </p:txBody>
+      </p:sp>
+    </p:spTree>
+    <p:extLst>
+      <p:ext uri="{BB962C8B-B14F-4D97-AF65-F5344CB8AC3E}">
+        <p14:creationId xmlns:p14="http://schemas.microsoft.com/office/powerpoint/2010/main" val="1415858726"/>
+      </p:ext>
+    </p:extLst>
+  </p:cSld>
+  <p:clrMapOvr>
+    <a:masterClrMapping/>
+  </p:clrMapOvr>
+</p:sld>
+</file>
+
+<file path=ppt/slides/slide4.xml><?xml version="1.0" encoding="utf-8"?>
 <p:sld xmlns:a="http://schemas.openxmlformats.org/drawingml/2006/main" xmlns:r="http://schemas.openxmlformats.org/officeDocument/2006/relationships" xmlns:p="http://schemas.openxmlformats.org/presentationml/2006/main">
   <p:cSld>
     <p:spTree>
@@ -3423,7 +3732,7 @@
 </p:sld>
 </file>
 
-<file path=ppt/slides/slide4.xml><?xml version="1.0" encoding="utf-8"?>
+<file path=ppt/slides/slide5.xml><?xml version="1.0" encoding="utf-8"?>
 <p:sld xmlns:a="http://schemas.openxmlformats.org/drawingml/2006/main" xmlns:r="http://schemas.openxmlformats.org/officeDocument/2006/relationships" xmlns:p="http://schemas.openxmlformats.org/presentationml/2006/main">
   <p:cSld>
     <p:spTree>
@@ -3813,7 +4122,7 @@
 </p:sld>
 </file>
 
-<file path=ppt/slides/slide5.xml><?xml version="1.0" encoding="utf-8"?>
+<file path=ppt/slides/slide6.xml><?xml version="1.0" encoding="utf-8"?>
 <p:sld xmlns:a="http://schemas.openxmlformats.org/drawingml/2006/main" xmlns:r="http://schemas.openxmlformats.org/officeDocument/2006/relationships" xmlns:p="http://schemas.openxmlformats.org/presentationml/2006/main">
   <p:cSld>
     <p:spTree>
@@ -4215,7 +4524,7 @@
 </p:sld>
 </file>
 
-<file path=ppt/slides/slide6.xml><?xml version="1.0" encoding="utf-8"?>
+<file path=ppt/slides/slide7.xml><?xml version="1.0" encoding="utf-8"?>
 <p:sld xmlns:a="http://schemas.openxmlformats.org/drawingml/2006/main" xmlns:r="http://schemas.openxmlformats.org/officeDocument/2006/relationships" xmlns:p="http://schemas.openxmlformats.org/presentationml/2006/main">
   <p:cSld>
     <p:spTree>
@@ -4549,7 +4858,7 @@
 </p:sld>
 </file>
 
-<file path=ppt/slides/slide7.xml><?xml version="1.0" encoding="utf-8"?>
+<file path=ppt/slides/slide8.xml><?xml version="1.0" encoding="utf-8"?>
 <p:sld xmlns:a="http://schemas.openxmlformats.org/drawingml/2006/main" xmlns:r="http://schemas.openxmlformats.org/officeDocument/2006/relationships" xmlns:p="http://schemas.openxmlformats.org/presentationml/2006/main">
   <p:cSld>
     <p:spTree>
@@ -4637,7 +4946,7 @@
 </p:sld>
 </file>
 
-<file path=ppt/slides/slide8.xml><?xml version="1.0" encoding="utf-8"?>
+<file path=ppt/slides/slide9.xml><?xml version="1.0" encoding="utf-8"?>
 <p:sld xmlns:a="http://schemas.openxmlformats.org/drawingml/2006/main" xmlns:r="http://schemas.openxmlformats.org/officeDocument/2006/relationships" xmlns:p="http://schemas.openxmlformats.org/presentationml/2006/main">
   <p:cSld>
     <p:spTree>
@@ -5179,226 +5488,6 @@
 </p:sld>
 </file>
 
-<file path=ppt/slides/slide9.xml><?xml version="1.0" encoding="utf-8"?>
-<p:sld xmlns:a="http://schemas.openxmlformats.org/drawingml/2006/main" xmlns:r="http://schemas.openxmlformats.org/officeDocument/2006/relationships" xmlns:p="http://schemas.openxmlformats.org/presentationml/2006/main">
-  <p:cSld>
-    <p:spTree>
-      <p:nvGrpSpPr>
-        <p:cNvPr id="1" name=""/>
-        <p:cNvGrpSpPr/>
-        <p:nvPr/>
-      </p:nvGrpSpPr>
-      <p:grpSpPr>
-        <a:xfrm>
-          <a:off x="0" y="0"/>
-          <a:ext cx="0" cy="0"/>
-          <a:chOff x="0" y="0"/>
-          <a:chExt cx="0" cy="0"/>
-        </a:xfrm>
-      </p:grpSpPr>
-      <p:sp>
-        <p:nvSpPr>
-          <p:cNvPr id="12" name="Symbol zastępczy tekstu 11">
-            <a:extLst>
-              <a:ext uri="{FF2B5EF4-FFF2-40B4-BE49-F238E27FC236}">
-                <a16:creationId xmlns:a16="http://schemas.microsoft.com/office/drawing/2014/main" id="{D72C2726-10B2-4AD9-87BC-8DD20305EDBF}"/>
-              </a:ext>
-            </a:extLst>
-          </p:cNvPr>
-          <p:cNvSpPr>
-            <a:spLocks noGrp="1"/>
-          </p:cNvSpPr>
-          <p:nvPr>
-            <p:ph type="body" sz="quarter" idx="10"/>
-          </p:nvPr>
-        </p:nvSpPr>
-        <p:spPr/>
-        <p:txBody>
-          <a:bodyPr>
-            <a:normAutofit fontScale="85000" lnSpcReduction="10000"/>
-          </a:bodyPr>
-          <a:lstStyle/>
-          <a:p>
-            <a:r>
-              <a:rPr lang="en-US" dirty="0"/>
-              <a:t>Full-text search with Azure Search and SQL Database</a:t>
-            </a:r>
-            <a:endParaRPr lang="pl-PL" dirty="0"/>
-          </a:p>
-        </p:txBody>
-      </p:sp>
-      <p:sp>
-        <p:nvSpPr>
-          <p:cNvPr id="11" name="Tytuł 10">
-            <a:extLst>
-              <a:ext uri="{FF2B5EF4-FFF2-40B4-BE49-F238E27FC236}">
-                <a16:creationId xmlns:a16="http://schemas.microsoft.com/office/drawing/2014/main" id="{27DBB49A-5916-4A71-A6AC-7134B69EC7EE}"/>
-              </a:ext>
-            </a:extLst>
-          </p:cNvPr>
-          <p:cNvSpPr>
-            <a:spLocks noGrp="1"/>
-          </p:cNvSpPr>
-          <p:nvPr>
-            <p:ph type="title"/>
-          </p:nvPr>
-        </p:nvSpPr>
-        <p:spPr>
-          <a:xfrm>
-            <a:off x="493712" y="4543834"/>
-            <a:ext cx="9999694" cy="627933"/>
-          </a:xfrm>
-        </p:spPr>
-        <p:txBody>
-          <a:bodyPr>
-            <a:normAutofit fontScale="90000"/>
-          </a:bodyPr>
-          <a:lstStyle/>
-          <a:p>
-            <a:r>
-              <a:rPr lang="it-IT" dirty="0"/>
-              <a:t>Roberto Freato – Consultant / Author / Solution Architect</a:t>
-            </a:r>
-            <a:br>
-              <a:rPr lang="en-US" dirty="0"/>
-            </a:br>
-            <a:endParaRPr lang="pl-PL" dirty="0"/>
-          </a:p>
-        </p:txBody>
-      </p:sp>
-      <p:pic>
-        <p:nvPicPr>
-          <p:cNvPr id="4" name="Picture 3" descr="A screenshot of a social media post&#10;&#10;Description generated with very high confidence">
-            <a:extLst>
-              <a:ext uri="{FF2B5EF4-FFF2-40B4-BE49-F238E27FC236}">
-                <a16:creationId xmlns:a16="http://schemas.microsoft.com/office/drawing/2014/main" id="{08C4761E-0C9D-4D57-B150-D61C47097B5D}"/>
-              </a:ext>
-            </a:extLst>
-          </p:cNvPr>
-          <p:cNvPicPr>
-            <a:picLocks noChangeAspect="1"/>
-          </p:cNvPicPr>
-          <p:nvPr/>
-        </p:nvPicPr>
-        <p:blipFill>
-          <a:blip r:embed="rId2"/>
-          <a:stretch>
-            <a:fillRect/>
-          </a:stretch>
-        </p:blipFill>
-        <p:spPr>
-          <a:xfrm>
-            <a:off x="591423" y="782382"/>
-            <a:ext cx="1011953" cy="1517930"/>
-          </a:xfrm>
-          <a:prstGeom prst="rect">
-            <a:avLst/>
-          </a:prstGeom>
-        </p:spPr>
-      </p:pic>
-      <p:pic>
-        <p:nvPicPr>
-          <p:cNvPr id="5" name="Picture 4" descr="A screenshot of a cell phone&#10;&#10;Description generated with very high confidence">
-            <a:extLst>
-              <a:ext uri="{FF2B5EF4-FFF2-40B4-BE49-F238E27FC236}">
-                <a16:creationId xmlns:a16="http://schemas.microsoft.com/office/drawing/2014/main" id="{ADB162EC-02B5-41FF-BF31-B805E5D5CA33}"/>
-              </a:ext>
-            </a:extLst>
-          </p:cNvPr>
-          <p:cNvPicPr>
-            <a:picLocks noChangeAspect="1"/>
-          </p:cNvPicPr>
-          <p:nvPr/>
-        </p:nvPicPr>
-        <p:blipFill>
-          <a:blip r:embed="rId3"/>
-          <a:stretch>
-            <a:fillRect/>
-          </a:stretch>
-        </p:blipFill>
-        <p:spPr>
-          <a:xfrm>
-            <a:off x="1728490" y="793268"/>
-            <a:ext cx="1011953" cy="1517930"/>
-          </a:xfrm>
-          <a:prstGeom prst="rect">
-            <a:avLst/>
-          </a:prstGeom>
-        </p:spPr>
-      </p:pic>
-      <p:pic>
-        <p:nvPicPr>
-          <p:cNvPr id="6" name="Picture 5" descr="A screenshot of a social media post&#10;&#10;Description generated with very high confidence">
-            <a:extLst>
-              <a:ext uri="{FF2B5EF4-FFF2-40B4-BE49-F238E27FC236}">
-                <a16:creationId xmlns:a16="http://schemas.microsoft.com/office/drawing/2014/main" id="{DA1337E6-4F2A-4547-B189-87985815341D}"/>
-              </a:ext>
-            </a:extLst>
-          </p:cNvPr>
-          <p:cNvPicPr>
-            <a:picLocks noChangeAspect="1"/>
-          </p:cNvPicPr>
-          <p:nvPr/>
-        </p:nvPicPr>
-        <p:blipFill>
-          <a:blip r:embed="rId4"/>
-          <a:stretch>
-            <a:fillRect/>
-          </a:stretch>
-        </p:blipFill>
-        <p:spPr>
-          <a:xfrm>
-            <a:off x="591423" y="2427581"/>
-            <a:ext cx="1011953" cy="1517930"/>
-          </a:xfrm>
-          <a:prstGeom prst="rect">
-            <a:avLst/>
-          </a:prstGeom>
-        </p:spPr>
-      </p:pic>
-      <p:pic>
-        <p:nvPicPr>
-          <p:cNvPr id="7" name="Picture 6">
-            <a:extLst>
-              <a:ext uri="{FF2B5EF4-FFF2-40B4-BE49-F238E27FC236}">
-                <a16:creationId xmlns:a16="http://schemas.microsoft.com/office/drawing/2014/main" id="{F3186A04-2A6F-41E0-99FB-5BE8B59AE514}"/>
-              </a:ext>
-            </a:extLst>
-          </p:cNvPr>
-          <p:cNvPicPr>
-            <a:picLocks noChangeAspect="1"/>
-          </p:cNvPicPr>
-          <p:nvPr/>
-        </p:nvPicPr>
-        <p:blipFill>
-          <a:blip r:embed="rId5"/>
-          <a:stretch>
-            <a:fillRect/>
-          </a:stretch>
-        </p:blipFill>
-        <p:spPr>
-          <a:xfrm>
-            <a:off x="1728489" y="2427581"/>
-            <a:ext cx="1011953" cy="1517930"/>
-          </a:xfrm>
-          <a:prstGeom prst="rect">
-            <a:avLst/>
-          </a:prstGeom>
-        </p:spPr>
-      </p:pic>
-    </p:spTree>
-    <p:extLst>
-      <p:ext uri="{BB962C8B-B14F-4D97-AF65-F5344CB8AC3E}">
-        <p14:creationId xmlns:p14="http://schemas.microsoft.com/office/powerpoint/2010/main" val="2455502338"/>
-      </p:ext>
-    </p:extLst>
-  </p:cSld>
-  <p:clrMapOvr>
-    <a:masterClrMapping/>
-  </p:clrMapOvr>
-</p:sld>
-</file>
-
 <file path=ppt/theme/theme1.xml><?xml version="1.0" encoding="utf-8"?>
 <a:theme xmlns:a="http://schemas.openxmlformats.org/drawingml/2006/main" name="Motyw pakietu Office">
   <a:themeElements>
